--- a/jayanthan naan mudhalavan project 2.pptx
+++ b/jayanthan naan mudhalavan project 2.pptx
@@ -248,7 +248,7 @@
           <a:p>
             <a:fld id="{84B86612-B127-4CD0-BF15-66D49A7175F7}" type="datetimeFigureOut">
               <a:rPr lang="en-IN" smtClean="0"/>
-              <a:t>04-09-2024</a:t>
+              <a:t>10-09-2024</a:t>
             </a:fld>
             <a:endParaRPr lang="en-IN"/>
           </a:p>
@@ -733,7 +733,7 @@
           <a:p>
             <a:fld id="{1D8BD707-D9CF-40AE-B4C6-C98DA3205C09}" type="datetimeFigureOut">
               <a:rPr lang="en-US" smtClean="0"/>
-              <a:t>9/4/2024</a:t>
+              <a:t>9/10/2024</a:t>
             </a:fld>
             <a:endParaRPr lang="en-US"/>
           </a:p>
@@ -1028,7 +1028,7 @@
           <a:p>
             <a:fld id="{1D8BD707-D9CF-40AE-B4C6-C98DA3205C09}" type="datetimeFigureOut">
               <a:rPr lang="en-US" smtClean="0"/>
-              <a:t>9/4/2024</a:t>
+              <a:t>9/10/2024</a:t>
             </a:fld>
             <a:endParaRPr lang="en-US"/>
           </a:p>
@@ -1228,7 +1228,7 @@
           <a:p>
             <a:fld id="{1D8BD707-D9CF-40AE-B4C6-C98DA3205C09}" type="datetimeFigureOut">
               <a:rPr lang="en-US" smtClean="0"/>
-              <a:t>9/4/2024</a:t>
+              <a:t>9/10/2024</a:t>
             </a:fld>
             <a:endParaRPr lang="en-US"/>
           </a:p>
@@ -1497,7 +1497,7 @@
           <a:p>
             <a:fld id="{1D8BD707-D9CF-40AE-B4C6-C98DA3205C09}" type="datetimeFigureOut">
               <a:rPr lang="en-US" smtClean="0"/>
-              <a:t>9/4/2024</a:t>
+              <a:t>9/10/2024</a:t>
             </a:fld>
             <a:endParaRPr lang="en-US"/>
           </a:p>
@@ -1929,7 +1929,7 @@
           <a:p>
             <a:fld id="{1D8BD707-D9CF-40AE-B4C6-C98DA3205C09}" type="datetimeFigureOut">
               <a:rPr lang="en-US" smtClean="0"/>
-              <a:t>9/4/2024</a:t>
+              <a:t>9/10/2024</a:t>
             </a:fld>
             <a:endParaRPr lang="en-US"/>
           </a:p>
@@ -2483,7 +2483,7 @@
           <a:p>
             <a:fld id="{1D8BD707-D9CF-40AE-B4C6-C98DA3205C09}" type="datetimeFigureOut">
               <a:rPr lang="en-US" smtClean="0"/>
-              <a:t>9/4/2024</a:t>
+              <a:t>9/10/2024</a:t>
             </a:fld>
             <a:endParaRPr lang="en-US"/>
           </a:p>
@@ -3331,7 +3331,7 @@
           <a:p>
             <a:fld id="{1D8BD707-D9CF-40AE-B4C6-C98DA3205C09}" type="datetimeFigureOut">
               <a:rPr lang="en-US" smtClean="0"/>
-              <a:t>9/4/2024</a:t>
+              <a:t>9/10/2024</a:t>
             </a:fld>
             <a:endParaRPr lang="en-US"/>
           </a:p>
@@ -3509,7 +3509,7 @@
           <a:p>
             <a:fld id="{1D8BD707-D9CF-40AE-B4C6-C98DA3205C09}" type="datetimeFigureOut">
               <a:rPr lang="en-US" smtClean="0"/>
-              <a:t>9/4/2024</a:t>
+              <a:t>9/10/2024</a:t>
             </a:fld>
             <a:endParaRPr lang="en-US"/>
           </a:p>
@@ -3701,7 +3701,7 @@
           <a:p>
             <a:fld id="{1D8BD707-D9CF-40AE-B4C6-C98DA3205C09}" type="datetimeFigureOut">
               <a:rPr lang="en-US" smtClean="0"/>
-              <a:t>9/4/2024</a:t>
+              <a:t>9/10/2024</a:t>
             </a:fld>
             <a:endParaRPr lang="en-US"/>
           </a:p>
@@ -3879,7 +3879,7 @@
           <a:p>
             <a:fld id="{1D8BD707-D9CF-40AE-B4C6-C98DA3205C09}" type="datetimeFigureOut">
               <a:rPr lang="en-US" smtClean="0"/>
-              <a:t>9/4/2024</a:t>
+              <a:t>9/10/2024</a:t>
             </a:fld>
             <a:endParaRPr lang="en-US"/>
           </a:p>
@@ -4135,7 +4135,7 @@
           <a:p>
             <a:fld id="{1D8BD707-D9CF-40AE-B4C6-C98DA3205C09}" type="datetimeFigureOut">
               <a:rPr lang="en-US" smtClean="0"/>
-              <a:t>9/4/2024</a:t>
+              <a:t>9/10/2024</a:t>
             </a:fld>
             <a:endParaRPr lang="en-US"/>
           </a:p>
@@ -4380,7 +4380,7 @@
           <a:p>
             <a:fld id="{1D8BD707-D9CF-40AE-B4C6-C98DA3205C09}" type="datetimeFigureOut">
               <a:rPr lang="en-US" smtClean="0"/>
-              <a:t>9/4/2024</a:t>
+              <a:t>9/10/2024</a:t>
             </a:fld>
             <a:endParaRPr lang="en-US"/>
           </a:p>
@@ -4761,7 +4761,7 @@
           <a:p>
             <a:fld id="{1D8BD707-D9CF-40AE-B4C6-C98DA3205C09}" type="datetimeFigureOut">
               <a:rPr lang="en-US" smtClean="0"/>
-              <a:t>9/4/2024</a:t>
+              <a:t>9/10/2024</a:t>
             </a:fld>
             <a:endParaRPr lang="en-US"/>
           </a:p>
@@ -4887,7 +4887,7 @@
           <a:p>
             <a:fld id="{1D8BD707-D9CF-40AE-B4C6-C98DA3205C09}" type="datetimeFigureOut">
               <a:rPr lang="en-US" smtClean="0"/>
-              <a:t>9/4/2024</a:t>
+              <a:t>9/10/2024</a:t>
             </a:fld>
             <a:endParaRPr lang="en-US"/>
           </a:p>
@@ -4990,7 +4990,7 @@
           <a:p>
             <a:fld id="{1D8BD707-D9CF-40AE-B4C6-C98DA3205C09}" type="datetimeFigureOut">
               <a:rPr lang="en-US" smtClean="0"/>
-              <a:t>9/4/2024</a:t>
+              <a:t>9/10/2024</a:t>
             </a:fld>
             <a:endParaRPr lang="en-US"/>
           </a:p>
@@ -5249,7 +5249,7 @@
           <a:p>
             <a:fld id="{1D8BD707-D9CF-40AE-B4C6-C98DA3205C09}" type="datetimeFigureOut">
               <a:rPr lang="en-US" smtClean="0"/>
-              <a:t>9/4/2024</a:t>
+              <a:t>9/10/2024</a:t>
             </a:fld>
             <a:endParaRPr lang="en-US"/>
           </a:p>
@@ -5544,7 +5544,7 @@
           <a:p>
             <a:fld id="{1D8BD707-D9CF-40AE-B4C6-C98DA3205C09}" type="datetimeFigureOut">
               <a:rPr lang="en-US" smtClean="0"/>
-              <a:t>9/4/2024</a:t>
+              <a:t>9/10/2024</a:t>
             </a:fld>
             <a:endParaRPr lang="en-US"/>
           </a:p>
@@ -5765,7 +5765,7 @@
           <a:p>
             <a:fld id="{1D8BD707-D9CF-40AE-B4C6-C98DA3205C09}" type="datetimeFigureOut">
               <a:rPr lang="en-US" smtClean="0"/>
-              <a:t>9/4/2024</a:t>
+              <a:t>9/10/2024</a:t>
             </a:fld>
             <a:endParaRPr lang="en-US"/>
           </a:p>
@@ -6619,7 +6619,7 @@
         <p:spPr>
           <a:xfrm>
             <a:off x="2554542" y="3314150"/>
-            <a:ext cx="8610600" cy="2308324"/>
+            <a:ext cx="8610600" cy="3046988"/>
           </a:xfrm>
           <a:prstGeom prst="rect">
             <a:avLst/>
@@ -6721,7 +6721,54 @@
                   </a:outerShdw>
                 </a:effectLst>
               </a:rPr>
-              <a:t>NAAN MUDHALVAN USERNAME:asunm110312201162</a:t>
+              <a:t>NAAN MUDHALVAN </a:t>
+            </a:r>
+            <a:r>
+              <a:rPr lang="en-US" sz="2400" i="1" dirty="0" smtClean="0">
+                <a:solidFill>
+                  <a:schemeClr val="bg1"/>
+                </a:solidFill>
+                <a:effectLst>
+                  <a:outerShdw blurRad="38100" dist="38100" dir="2700000" algn="tl">
+                    <a:srgbClr val="000000">
+                      <a:alpha val="43137"/>
+                    </a:srgbClr>
+                  </a:outerShdw>
+                </a:effectLst>
+              </a:rPr>
+              <a:t>USERNAME:asunm110312201162</a:t>
+            </a:r>
+          </a:p>
+          <a:p>
+            <a:r>
+              <a:rPr lang="en-US" sz="2400" i="1" dirty="0" smtClean="0">
+                <a:solidFill>
+                  <a:schemeClr val="bg1"/>
+                </a:solidFill>
+                <a:effectLst>
+                  <a:outerShdw blurRad="38100" dist="38100" dir="2700000" algn="tl">
+                    <a:srgbClr val="000000">
+                      <a:alpha val="43137"/>
+                    </a:srgbClr>
+                  </a:outerShdw>
+                </a:effectLst>
+              </a:rPr>
+              <a:t>NAAN </a:t>
+            </a:r>
+            <a:r>
+              <a:rPr lang="en-US" sz="2400" i="1">
+                <a:solidFill>
+                  <a:schemeClr val="bg1"/>
+                </a:solidFill>
+                <a:effectLst>
+                  <a:outerShdw blurRad="38100" dist="38100" dir="2700000" algn="tl">
+                    <a:srgbClr val="000000">
+                      <a:alpha val="43137"/>
+                    </a:srgbClr>
+                  </a:outerShdw>
+                </a:effectLst>
+              </a:rPr>
+              <a:t>MUDHALAVAN ID:E58500BD3B7CD2F9FE9463B41F017231</a:t>
             </a:r>
             <a:endParaRPr lang="en-US" sz="2400" i="1" dirty="0">
               <a:solidFill>
@@ -9214,11 +9261,6 @@
               </a:rPr>
               <a:t>of the company </a:t>
             </a:r>
-            <a:endParaRPr lang="en-US" sz="3200" i="1" spc="10" dirty="0">
-              <a:solidFill>
-                <a:schemeClr val="bg1"/>
-              </a:solidFill>
-            </a:endParaRPr>
           </a:p>
         </p:txBody>
       </p:sp>
